--- a/cdsp_2018.pptx
+++ b/cdsp_2018.pptx
@@ -23,6 +23,7 @@
     <p:sldId id="271" r:id="rId18"/>
     <p:sldId id="272" r:id="rId19"/>
     <p:sldId id="273" r:id="rId20"/>
+    <p:sldId id="274" r:id="rId21"/>
   </p:sldIdLst>
   <p:sldSz cx="10080625" cy="7559675"/>
   <p:notesSz cx="7559675" cy="10691812"/>
@@ -1442,7 +1443,7 @@
           <a:bodyPr lIns="0" rIns="0" tIns="0" bIns="0"/>
           <a:p>
             <a:pPr algn="r"/>
-            <a:fld id="{63BE7C2A-502C-4B1C-9DA1-3BD89E909617}" type="slidenum">
+            <a:fld id="{C29AE541-4BC3-4870-B7B0-FBC4A11ADD9F}" type="slidenum">
               <a:rPr lang="nl-NL" sz="1400">
                 <a:latin typeface="Times New Roman"/>
               </a:rPr>
@@ -1628,7 +1629,7 @@
               <a:rPr lang="nl-NL" sz="4400">
                 <a:latin typeface="Arial"/>
               </a:rPr>
-              <a:t>Leren van het model</a:t>
+              <a:t>OUD--Leren van het model</a:t>
             </a:r>
             <a:endParaRPr/>
           </a:p>
@@ -1740,33 +1741,6 @@
       </p:pic>
     </p:spTree>
   </p:cSld>
-  <p:timing>
-    <p:tnLst>
-      <p:par>
-        <p:cTn id="15" dur="indefinite" restart="never" nodeType="tmRoot">
-          <p:childTnLst>
-            <p:seq>
-              <p:cTn id="16" nodeType="mainSeq"/>
-              <p:prevCondLst>
-                <p:cond delay="0" evt="onPrev">
-                  <p:tgtEl>
-                    <p:sldTgt/>
-                  </p:tgtEl>
-                </p:cond>
-              </p:prevCondLst>
-              <p:nextCondLst>
-                <p:cond delay="0" evt="onNext">
-                  <p:tgtEl>
-                    <p:sldTgt/>
-                  </p:tgtEl>
-                </p:cond>
-              </p:nextCondLst>
-            </p:seq>
-          </p:childTnLst>
-        </p:cTn>
-      </p:par>
-    </p:tnLst>
-  </p:timing>
 </p:sld>
 </file>
 
@@ -1828,8 +1802,8 @@
         </p:nvSpPr>
         <p:spPr>
           <a:xfrm>
-            <a:off x="504000" y="1769040"/>
-            <a:ext cx="9071640" cy="4384440"/>
+            <a:off x="504000" y="1440000"/>
+            <a:ext cx="9071640" cy="5832000"/>
           </a:xfrm>
           <a:prstGeom prst="rect">
             <a:avLst/>
@@ -1851,7 +1825,7 @@
               <a:rPr lang="nl-NL">
                 <a:latin typeface="Arial"/>
               </a:rPr>
-              <a:t>Opnieuw de trainings set van 3000 documenten, met aantal topics nu 20.</a:t>
+              <a:t>De trainings set van 3000 documenten, met aantal topics = 20.</a:t>
             </a:r>
             <a:endParaRPr/>
           </a:p>
@@ -1865,7 +1839,7 @@
               <a:rPr lang="nl-NL">
                 <a:latin typeface="Arial"/>
               </a:rPr>
-              <a:t>We kunnen zien dat er nog steeds veel overlap is tussen de topics.</a:t>
+              <a:t>De linkerkant van het onderstaande plaatje geeft de afstand in de multidimensionale ruimte weer, geplot op 2 dimensies. Er is nagenoeg geen overlap tussen de topics, wat een goed teken is. Maar technische skills staan nergens in de top 10 van meest relevante trefwoorden.</a:t>
             </a:r>
             <a:endParaRPr/>
           </a:p>
@@ -1883,8 +1857,8 @@
         </p:blipFill>
         <p:spPr>
           <a:xfrm>
-            <a:off x="648000" y="2664000"/>
-            <a:ext cx="8712000" cy="4379760"/>
+            <a:off x="863640" y="2952000"/>
+            <a:ext cx="8712000" cy="4328640"/>
           </a:xfrm>
           <a:prstGeom prst="rect">
             <a:avLst/>
@@ -1899,10 +1873,10 @@
   <p:timing>
     <p:tnLst>
       <p:par>
-        <p:cTn id="17" dur="indefinite" restart="never" nodeType="tmRoot">
+        <p:cTn id="1" dur="indefinite" restart="never" nodeType="tmRoot">
           <p:childTnLst>
             <p:seq>
-              <p:cTn id="18" nodeType="mainSeq"/>
+              <p:cTn id="2" nodeType="mainSeq"/>
               <p:prevCondLst>
                 <p:cond delay="0" evt="onPrev">
                   <p:tgtEl>
@@ -1970,7 +1944,7 @@
               <a:rPr lang="nl-NL" sz="4400">
                 <a:latin typeface="Arial"/>
               </a:rPr>
-              <a:t>Leren van het model</a:t>
+              <a:t>OUD--Leren van het model</a:t>
             </a:r>
             <a:endParaRPr/>
           </a:p>
@@ -1985,7 +1959,7 @@
         <p:spPr>
           <a:xfrm>
             <a:off x="504000" y="1769040"/>
-            <a:ext cx="9071640" cy="5430960"/>
+            <a:ext cx="9071640" cy="4384440"/>
           </a:xfrm>
           <a:prstGeom prst="rect">
             <a:avLst/>
@@ -2007,7 +1981,21 @@
               <a:rPr lang="nl-NL">
                 <a:latin typeface="Arial"/>
               </a:rPr>
-              <a:t>Verlagen van het aantal topics naar 10 lost ook niks op. De afwijkende clusters zijn vacatures in het Duits en Frans.</a:t>
+              <a:t>Opnieuw de trainings set van 3000 documenten, met aantal topics nu 20.</a:t>
+            </a:r>
+            <a:endParaRPr/>
+          </a:p>
+          <a:p>
+            <a:pPr>
+              <a:buSzPct val="45000"/>
+              <a:buFont typeface="StarSymbol"/>
+              <a:buChar char=""/>
+            </a:pPr>
+            <a:r>
+              <a:rPr lang="nl-NL">
+                <a:latin typeface="Arial"/>
+              </a:rPr>
+              <a:t>We kunnen zien dat er nog steeds veel overlap is tussen de topics.</a:t>
             </a:r>
             <a:endParaRPr/>
           </a:p>
@@ -2025,8 +2013,8 @@
         </p:blipFill>
         <p:spPr>
           <a:xfrm>
-            <a:off x="737640" y="2520000"/>
-            <a:ext cx="8694360" cy="4680000"/>
+            <a:off x="648000" y="2664000"/>
+            <a:ext cx="8712000" cy="4379760"/>
           </a:xfrm>
           <a:prstGeom prst="rect">
             <a:avLst/>
@@ -2041,10 +2029,10 @@
   <p:timing>
     <p:tnLst>
       <p:par>
-        <p:cTn id="19" dur="indefinite" restart="never" nodeType="tmRoot">
+        <p:cTn id="3" dur="indefinite" restart="never" nodeType="tmRoot">
           <p:childTnLst>
             <p:seq>
-              <p:cTn id="20" nodeType="mainSeq"/>
+              <p:cTn id="4" nodeType="mainSeq"/>
               <p:prevCondLst>
                 <p:cond delay="0" evt="onPrev">
                   <p:tgtEl>
@@ -2112,7 +2100,7 @@
               <a:rPr lang="nl-NL" sz="4400">
                 <a:latin typeface="Arial"/>
               </a:rPr>
-              <a:t>Wat nu?</a:t>
+              <a:t>OUD--Leren van het model</a:t>
             </a:r>
             <a:endParaRPr/>
           </a:p>
@@ -2126,8 +2114,8 @@
         </p:nvSpPr>
         <p:spPr>
           <a:xfrm>
-            <a:off x="504000" y="1800000"/>
-            <a:ext cx="9432000" cy="5760000"/>
+            <a:off x="504000" y="1769040"/>
+            <a:ext cx="9071640" cy="5430960"/>
           </a:xfrm>
           <a:prstGeom prst="rect">
             <a:avLst/>
@@ -2149,171 +2137,44 @@
               <a:rPr lang="nl-NL">
                 <a:latin typeface="Arial"/>
               </a:rPr>
-              <a:t>Stel we hebben de volgende vacature (ingekort omdat het anders niet past):</a:t>
-            </a:r>
-            <a:endParaRPr/>
-          </a:p>
-          <a:p>
-            <a:pPr>
-              <a:buSzPct val="45000"/>
-              <a:buFont typeface="StarSymbol"/>
-              <a:buChar char=""/>
-            </a:pPr>
-            <a:endParaRPr/>
-          </a:p>
-          <a:p>
-            <a:pPr>
-              <a:buSzPct val="45000"/>
-              <a:buFont typeface="StarSymbol"/>
-              <a:buChar char=""/>
-            </a:pPr>
-            <a:r>
-              <a:rPr lang="nl-NL">
-                <a:latin typeface="Arial"/>
-              </a:rPr>
-              <a:t>'Artificial Intelligence Engineer</a:t>
-            </a:r>
-            <a:endParaRPr/>
-          </a:p>
-          <a:p>
-            <a:pPr>
-              <a:buSzPct val="45000"/>
-              <a:buFont typeface="StarSymbol"/>
-              <a:buChar char=""/>
-            </a:pPr>
-            <a:r>
-              <a:rPr lang="nl-NL">
-                <a:latin typeface="Arial"/>
-              </a:rPr>
-              <a:t>...</a:t>
-            </a:r>
-            <a:endParaRPr/>
-          </a:p>
-          <a:p>
-            <a:pPr>
-              <a:buSzPct val="45000"/>
-              <a:buFont typeface="StarSymbol"/>
-              <a:buChar char=""/>
-            </a:pPr>
-            <a:r>
-              <a:rPr lang="nl-NL">
-                <a:latin typeface="Arial"/>
-              </a:rPr>
-              <a:t>Verder heb je:</a:t>
-            </a:r>
-            <a:endParaRPr/>
-          </a:p>
-          <a:p>
-            <a:pPr>
-              <a:buSzPct val="45000"/>
-              <a:buFont typeface="StarSymbol"/>
-              <a:buChar char=""/>
-            </a:pPr>
-            <a:endParaRPr/>
-          </a:p>
-          <a:p>
-            <a:pPr>
-              <a:buSzPct val="45000"/>
-              <a:buFont typeface="StarSymbol"/>
-              <a:buChar char=""/>
-            </a:pPr>
-            <a:r>
-              <a:rPr lang="nl-NL">
-                <a:latin typeface="Arial"/>
-              </a:rPr>
-              <a:t>Een wo-diploma of PhD in de richting van software-engineering, machine-learning, artificial intelligence of een andere kwantitatieve studie.</a:t>
-            </a:r>
-            <a:endParaRPr/>
-          </a:p>
-          <a:p>
-            <a:pPr>
-              <a:buSzPct val="45000"/>
-              <a:buFont typeface="StarSymbol"/>
-              <a:buChar char=""/>
-            </a:pPr>
-            <a:r>
-              <a:rPr lang="nl-NL">
-                <a:latin typeface="Arial"/>
-              </a:rPr>
-              <a:t>Minimaal drie jaar ervaring met geavanceerde statistische, descriptieve en diagnostische methoden.</a:t>
-            </a:r>
-            <a:endParaRPr/>
-          </a:p>
-          <a:p>
-            <a:pPr>
-              <a:buSzPct val="45000"/>
-              <a:buFont typeface="StarSymbol"/>
-              <a:buChar char=""/>
-            </a:pPr>
-            <a:r>
-              <a:rPr lang="nl-NL">
-                <a:latin typeface="Arial"/>
-              </a:rPr>
-              <a:t>Ervaring met programmeer- en/of scripttalen, zoals Python en SQL.</a:t>
-            </a:r>
-            <a:endParaRPr/>
-          </a:p>
-          <a:p>
-            <a:pPr>
-              <a:buSzPct val="45000"/>
-              <a:buFont typeface="StarSymbol"/>
-              <a:buChar char=""/>
-            </a:pPr>
-            <a:r>
-              <a:rPr lang="nl-NL">
-                <a:latin typeface="Arial"/>
-              </a:rPr>
-              <a:t>Kennis van en ervaring met Hadoop, Spark (SparkSQL en SparkML) en/of Tensorflow.</a:t>
-            </a:r>
-            <a:endParaRPr/>
-          </a:p>
-          <a:p>
-            <a:pPr>
-              <a:buSzPct val="45000"/>
-              <a:buFont typeface="StarSymbol"/>
-              <a:buChar char=""/>
-            </a:pPr>
-            <a:r>
-              <a:rPr lang="nl-NL">
-                <a:latin typeface="Arial"/>
-              </a:rPr>
-              <a:t>…</a:t>
-            </a:r>
-            <a:r>
-              <a:rPr lang="nl-NL">
-                <a:latin typeface="Arial"/>
-              </a:rPr>
-              <a:t>'</a:t>
-            </a:r>
-            <a:endParaRPr/>
-          </a:p>
-          <a:p>
-            <a:pPr>
-              <a:buSzPct val="45000"/>
-              <a:buFont typeface="StarSymbol"/>
-              <a:buChar char=""/>
-            </a:pPr>
-            <a:endParaRPr/>
-          </a:p>
-          <a:p>
-            <a:pPr>
-              <a:buSzPct val="45000"/>
-              <a:buFont typeface="StarSymbol"/>
-              <a:buChar char=""/>
-            </a:pPr>
-            <a:endParaRPr/>
-          </a:p>
-        </p:txBody>
-      </p:sp>
+              <a:t>Verlagen van het aantal topics naar 10 lost ook niks op. De afwijkende clusters zijn vacatures in het Duits en Frans.</a:t>
+            </a:r>
+            <a:endParaRPr/>
+          </a:p>
+        </p:txBody>
+      </p:sp>
+      <p:pic>
+        <p:nvPicPr>
+          <p:cNvPr id="71" name="" descr=""/>
+          <p:cNvPicPr/>
+          <p:nvPr/>
+        </p:nvPicPr>
+        <p:blipFill>
+          <a:blip r:embed="rId1"/>
+          <a:stretch/>
+        </p:blipFill>
+        <p:spPr>
+          <a:xfrm>
+            <a:off x="737640" y="2520000"/>
+            <a:ext cx="8694360" cy="4680000"/>
+          </a:xfrm>
+          <a:prstGeom prst="rect">
+            <a:avLst/>
+          </a:prstGeom>
+          <a:ln>
+            <a:noFill/>
+          </a:ln>
+        </p:spPr>
+      </p:pic>
     </p:spTree>
   </p:cSld>
   <p:timing>
     <p:tnLst>
       <p:par>
-        <p:cTn id="21" dur="indefinite" restart="never" nodeType="tmRoot">
+        <p:cTn id="5" dur="indefinite" restart="never" nodeType="tmRoot">
           <p:childTnLst>
             <p:seq>
-              <p:cTn id="22" nodeType="mainSeq"/>
+              <p:cTn id="6" nodeType="mainSeq"/>
               <p:prevCondLst>
                 <p:cond delay="0" evt="onPrev">
                   <p:tgtEl>
@@ -2356,7 +2217,7 @@
       </p:grpSpPr>
       <p:sp>
         <p:nvSpPr>
-          <p:cNvPr id="71" name="TextShape 1"/>
+          <p:cNvPr id="72" name="TextShape 1"/>
           <p:cNvSpPr txBox="1"/>
           <p:nvPr/>
         </p:nvSpPr>
@@ -2381,22 +2242,22 @@
               <a:rPr lang="nl-NL" sz="4400">
                 <a:latin typeface="Arial"/>
               </a:rPr>
-              <a:t>Wat nu (vervolg)</a:t>
-            </a:r>
-            <a:endParaRPr/>
-          </a:p>
-        </p:txBody>
-      </p:sp>
-      <p:sp>
-        <p:nvSpPr>
-          <p:cNvPr id="72" name="TextShape 2"/>
+              <a:t>Wat nu?</a:t>
+            </a:r>
+            <a:endParaRPr/>
+          </a:p>
+        </p:txBody>
+      </p:sp>
+      <p:sp>
+        <p:nvSpPr>
+          <p:cNvPr id="73" name="TextShape 2"/>
           <p:cNvSpPr txBox="1"/>
           <p:nvPr/>
         </p:nvSpPr>
         <p:spPr>
           <a:xfrm>
-            <a:off x="504000" y="1769040"/>
-            <a:ext cx="9071640" cy="4384440"/>
+            <a:off x="504000" y="1800000"/>
+            <a:ext cx="9432000" cy="5760000"/>
           </a:xfrm>
           <a:prstGeom prst="rect">
             <a:avLst/>
@@ -2418,8 +2279,16 @@
               <a:rPr lang="nl-NL">
                 <a:latin typeface="Arial"/>
               </a:rPr>
-              <a:t>Als mens lees ik deze vacature als volgt (mbt het vaststellen van de skills):</a:t>
-            </a:r>
+              <a:t>Stel we hebben de volgende vacature (ingekort omdat het anders niet past):</a:t>
+            </a:r>
+            <a:endParaRPr/>
+          </a:p>
+          <a:p>
+            <a:pPr>
+              <a:buSzPct val="45000"/>
+              <a:buFont typeface="StarSymbol"/>
+              <a:buChar char=""/>
+            </a:pPr>
             <a:endParaRPr/>
           </a:p>
           <a:p>
@@ -2432,7 +2301,7 @@
               <a:rPr lang="nl-NL">
                 <a:latin typeface="Arial"/>
               </a:rPr>
-              <a:t>'bla bla bla bla</a:t>
+              <a:t>'Artificial Intelligence Engineer</a:t>
             </a:r>
             <a:endParaRPr/>
           </a:p>
@@ -2446,7 +2315,7 @@
               <a:rPr lang="nl-NL">
                 <a:latin typeface="Arial"/>
               </a:rPr>
-              <a:t>Python SQL Hadoop Spark SparkSQL SparkML Tensorflow</a:t>
+              <a:t>...</a:t>
             </a:r>
             <a:endParaRPr/>
           </a:p>
@@ -2460,8 +2329,16 @@
               <a:rPr lang="nl-NL">
                 <a:latin typeface="Arial"/>
               </a:rPr>
-              <a:t>bla bla bla bla'</a:t>
-            </a:r>
+              <a:t>Verder heb je:</a:t>
+            </a:r>
+            <a:endParaRPr/>
+          </a:p>
+          <a:p>
+            <a:pPr>
+              <a:buSzPct val="45000"/>
+              <a:buFont typeface="StarSymbol"/>
+              <a:buChar char=""/>
+            </a:pPr>
             <a:endParaRPr/>
           </a:p>
           <a:p>
@@ -2474,7 +2351,7 @@
               <a:rPr lang="nl-NL">
                 <a:latin typeface="Arial"/>
               </a:rPr>
-              <a:t>Dus waarom niet onze vacatures niet alleen filteren op stop woorden maar op alle niet-technische termen (in feite ook stopwoorden in onze context).</a:t>
+              <a:t>Een wo-diploma of PhD in de richting van software-engineering, machine-learning, artificial intelligence of een andere kwantitatieve studie.</a:t>
             </a:r>
             <a:endParaRPr/>
           </a:p>
@@ -2488,8 +2365,72 @@
               <a:rPr lang="nl-NL">
                 <a:latin typeface="Arial"/>
               </a:rPr>
-              <a:t>Hiervoor hebben de alle trefwoorden (tags) van Stackoverflow gebruikt.</a:t>
-            </a:r>
+              <a:t>Minimaal drie jaar ervaring met geavanceerde statistische, descriptieve en diagnostische methoden.</a:t>
+            </a:r>
+            <a:endParaRPr/>
+          </a:p>
+          <a:p>
+            <a:pPr>
+              <a:buSzPct val="45000"/>
+              <a:buFont typeface="StarSymbol"/>
+              <a:buChar char=""/>
+            </a:pPr>
+            <a:r>
+              <a:rPr lang="nl-NL">
+                <a:latin typeface="Arial"/>
+              </a:rPr>
+              <a:t>Ervaring met programmeer- en/of scripttalen, zoals Python en SQL.</a:t>
+            </a:r>
+            <a:endParaRPr/>
+          </a:p>
+          <a:p>
+            <a:pPr>
+              <a:buSzPct val="45000"/>
+              <a:buFont typeface="StarSymbol"/>
+              <a:buChar char=""/>
+            </a:pPr>
+            <a:r>
+              <a:rPr lang="nl-NL">
+                <a:latin typeface="Arial"/>
+              </a:rPr>
+              <a:t>Kennis van en ervaring met Hadoop, Spark (SparkSQL en SparkML) en/of Tensorflow.</a:t>
+            </a:r>
+            <a:endParaRPr/>
+          </a:p>
+          <a:p>
+            <a:pPr>
+              <a:buSzPct val="45000"/>
+              <a:buFont typeface="StarSymbol"/>
+              <a:buChar char=""/>
+            </a:pPr>
+            <a:r>
+              <a:rPr lang="nl-NL">
+                <a:latin typeface="Arial"/>
+              </a:rPr>
+              <a:t>…</a:t>
+            </a:r>
+            <a:r>
+              <a:rPr lang="nl-NL">
+                <a:latin typeface="Arial"/>
+              </a:rPr>
+              <a:t>'</a:t>
+            </a:r>
+            <a:endParaRPr/>
+          </a:p>
+          <a:p>
+            <a:pPr>
+              <a:buSzPct val="45000"/>
+              <a:buFont typeface="StarSymbol"/>
+              <a:buChar char=""/>
+            </a:pPr>
+            <a:endParaRPr/>
+          </a:p>
+          <a:p>
+            <a:pPr>
+              <a:buSzPct val="45000"/>
+              <a:buFont typeface="StarSymbol"/>
+              <a:buChar char=""/>
+            </a:pPr>
             <a:endParaRPr/>
           </a:p>
         </p:txBody>
@@ -2499,10 +2440,10 @@
   <p:timing>
     <p:tnLst>
       <p:par>
-        <p:cTn id="23" dur="indefinite" restart="never" nodeType="tmRoot">
+        <p:cTn id="7" dur="indefinite" restart="never" nodeType="tmRoot">
           <p:childTnLst>
             <p:seq>
-              <p:cTn id="24" nodeType="mainSeq"/>
+              <p:cTn id="8" nodeType="mainSeq"/>
               <p:prevCondLst>
                 <p:cond delay="0" evt="onPrev">
                   <p:tgtEl>
@@ -2545,7 +2486,7 @@
       </p:grpSpPr>
       <p:sp>
         <p:nvSpPr>
-          <p:cNvPr id="73" name="TextShape 1"/>
+          <p:cNvPr id="74" name="TextShape 1"/>
           <p:cNvSpPr txBox="1"/>
           <p:nvPr/>
         </p:nvSpPr>
@@ -2570,15 +2511,15 @@
               <a:rPr lang="nl-NL" sz="4400">
                 <a:latin typeface="Arial"/>
               </a:rPr>
-              <a:t>Leren van het model 2</a:t>
-            </a:r>
-            <a:endParaRPr/>
-          </a:p>
-        </p:txBody>
-      </p:sp>
-      <p:sp>
-        <p:nvSpPr>
-          <p:cNvPr id="74" name="TextShape 2"/>
+              <a:t>Wat nu (vervolg)</a:t>
+            </a:r>
+            <a:endParaRPr/>
+          </a:p>
+        </p:txBody>
+      </p:sp>
+      <p:sp>
+        <p:nvSpPr>
+          <p:cNvPr id="75" name="TextShape 2"/>
           <p:cNvSpPr txBox="1"/>
           <p:nvPr/>
         </p:nvSpPr>
@@ -2607,44 +2548,91 @@
               <a:rPr lang="nl-NL">
                 <a:latin typeface="Arial"/>
               </a:rPr>
-              <a:t>De trainings set van 3000 documenten, met aantal topics = 20. Nu met alle woorden behalve de technische termen (tags) uitgefilterd in de documenten.</a:t>
-            </a:r>
-            <a:endParaRPr/>
-          </a:p>
-        </p:txBody>
-      </p:sp>
-      <p:pic>
-        <p:nvPicPr>
-          <p:cNvPr id="75" name="" descr=""/>
-          <p:cNvPicPr/>
-          <p:nvPr/>
-        </p:nvPicPr>
-        <p:blipFill>
-          <a:blip r:embed="rId1"/>
-          <a:stretch/>
-        </p:blipFill>
-        <p:spPr>
-          <a:xfrm>
-            <a:off x="593640" y="2520000"/>
-            <a:ext cx="9198360" cy="4536000"/>
-          </a:xfrm>
-          <a:prstGeom prst="rect">
-            <a:avLst/>
-          </a:prstGeom>
-          <a:ln>
-            <a:noFill/>
-          </a:ln>
-        </p:spPr>
-      </p:pic>
+              <a:t>Als mens lees ik deze vacature als volgt (mbt het vaststellen van de skills):</a:t>
+            </a:r>
+            <a:endParaRPr/>
+          </a:p>
+          <a:p>
+            <a:pPr>
+              <a:buSzPct val="45000"/>
+              <a:buFont typeface="StarSymbol"/>
+              <a:buChar char=""/>
+            </a:pPr>
+            <a:r>
+              <a:rPr lang="nl-NL">
+                <a:latin typeface="Arial"/>
+              </a:rPr>
+              <a:t>'bla bla bla bla</a:t>
+            </a:r>
+            <a:endParaRPr/>
+          </a:p>
+          <a:p>
+            <a:pPr>
+              <a:buSzPct val="45000"/>
+              <a:buFont typeface="StarSymbol"/>
+              <a:buChar char=""/>
+            </a:pPr>
+            <a:r>
+              <a:rPr lang="nl-NL">
+                <a:latin typeface="Arial"/>
+              </a:rPr>
+              <a:t>Python SQL Hadoop Spark SparkSQL SparkML Tensorflow</a:t>
+            </a:r>
+            <a:endParaRPr/>
+          </a:p>
+          <a:p>
+            <a:pPr>
+              <a:buSzPct val="45000"/>
+              <a:buFont typeface="StarSymbol"/>
+              <a:buChar char=""/>
+            </a:pPr>
+            <a:r>
+              <a:rPr lang="nl-NL">
+                <a:latin typeface="Arial"/>
+              </a:rPr>
+              <a:t>bla bla bla bla'</a:t>
+            </a:r>
+            <a:endParaRPr/>
+          </a:p>
+          <a:p>
+            <a:pPr>
+              <a:buSzPct val="45000"/>
+              <a:buFont typeface="StarSymbol"/>
+              <a:buChar char=""/>
+            </a:pPr>
+            <a:r>
+              <a:rPr lang="nl-NL">
+                <a:latin typeface="Arial"/>
+              </a:rPr>
+              <a:t>Dus waarom niet onze vacatures niet alleen filteren op stop woorden maar op alle niet-technische termen (in feite ook stopwoorden in onze context).</a:t>
+            </a:r>
+            <a:endParaRPr/>
+          </a:p>
+          <a:p>
+            <a:pPr>
+              <a:buSzPct val="45000"/>
+              <a:buFont typeface="StarSymbol"/>
+              <a:buChar char=""/>
+            </a:pPr>
+            <a:r>
+              <a:rPr lang="nl-NL">
+                <a:latin typeface="Arial"/>
+              </a:rPr>
+              <a:t>Hiervoor hebben de alle trefwoorden (tags) van Stackoverflow gebruikt.</a:t>
+            </a:r>
+            <a:endParaRPr/>
+          </a:p>
+        </p:txBody>
+      </p:sp>
     </p:spTree>
   </p:cSld>
   <p:timing>
     <p:tnLst>
       <p:par>
-        <p:cTn id="25" dur="indefinite" restart="never" nodeType="tmRoot">
+        <p:cTn id="9" dur="indefinite" restart="never" nodeType="tmRoot">
           <p:childTnLst>
             <p:seq>
-              <p:cTn id="26" nodeType="mainSeq"/>
+              <p:cTn id="10" nodeType="mainSeq"/>
               <p:prevCondLst>
                 <p:cond delay="0" evt="onPrev">
                   <p:tgtEl>
@@ -2712,7 +2700,7 @@
               <a:rPr lang="nl-NL" sz="4400">
                 <a:latin typeface="Arial"/>
               </a:rPr>
-              <a:t>Model validatie</a:t>
+              <a:t>Leren van het model 2</a:t>
             </a:r>
             <a:endParaRPr/>
           </a:p>
@@ -2726,8 +2714,8 @@
         </p:nvSpPr>
         <p:spPr>
           <a:xfrm>
-            <a:off x="504000" y="1769040"/>
-            <a:ext cx="9071640" cy="966960"/>
+            <a:off x="504000" y="1440000"/>
+            <a:ext cx="9071640" cy="4713480"/>
           </a:xfrm>
           <a:prstGeom prst="rect">
             <a:avLst/>
@@ -2746,10 +2734,10 @@
               <a:buChar char=""/>
             </a:pPr>
             <a:r>
-              <a:rPr lang="nl-NL" sz="2400">
-                <a:latin typeface="Arial"/>
-              </a:rPr>
-              <a:t>De laatste run met alleen de techinsche termen levert wel duidelijke topics op, al blijft het lastig om bij elk topic aan te geven waar het nu eigenlijk om gaat. </a:t>
+              <a:rPr lang="nl-NL">
+                <a:latin typeface="Arial"/>
+              </a:rPr>
+              <a:t>De trainings set van 3000 documenten, met aantal topics = 20. Nu met alle woorden behalve de technische termen (tags) uitgefilterd in de documenten. (demo)</a:t>
             </a:r>
             <a:endParaRPr/>
           </a:p>
@@ -2767,8 +2755,8 @@
         </p:blipFill>
         <p:spPr>
           <a:xfrm>
-            <a:off x="3528000" y="4392000"/>
-            <a:ext cx="3240000" cy="2952000"/>
+            <a:off x="432000" y="2376000"/>
+            <a:ext cx="9432000" cy="4968000"/>
           </a:xfrm>
           <a:prstGeom prst="rect">
             <a:avLst/>
@@ -2783,10 +2771,10 @@
   <p:timing>
     <p:tnLst>
       <p:par>
-        <p:cTn id="27" dur="indefinite" restart="never" nodeType="tmRoot">
+        <p:cTn id="11" dur="indefinite" restart="never" nodeType="tmRoot">
           <p:childTnLst>
             <p:seq>
-              <p:cTn id="28" nodeType="mainSeq"/>
+              <p:cTn id="12" nodeType="mainSeq"/>
               <p:prevCondLst>
                 <p:cond delay="0" evt="onPrev">
                   <p:tgtEl>
@@ -2869,7 +2857,7 @@
         <p:spPr>
           <a:xfrm>
             <a:off x="504000" y="1769040"/>
-            <a:ext cx="9071640" cy="4384440"/>
+            <a:ext cx="9071640" cy="966960"/>
           </a:xfrm>
           <a:prstGeom prst="rect">
             <a:avLst/>
@@ -2888,38 +2876,47 @@
               <a:buChar char=""/>
             </a:pPr>
             <a:r>
-              <a:rPr lang="nl-NL" sz="3200">
-                <a:latin typeface="Arial"/>
-              </a:rPr>
-              <a:t>Nu we het model getraind hebben kunnen we met nieuwe vacatures aantonen of ze in het juiste topic vallen.</a:t>
-            </a:r>
-            <a:endParaRPr/>
-          </a:p>
-          <a:p>
-            <a:pPr>
-              <a:buSzPct val="45000"/>
-              <a:buFont typeface="StarSymbol"/>
-              <a:buChar char=""/>
-            </a:pPr>
-            <a:r>
-              <a:rPr lang="nl-NL" sz="3200">
-                <a:latin typeface="Arial"/>
-              </a:rPr>
-              <a:t>Demo.......................nog doen</a:t>
-            </a:r>
-            <a:endParaRPr/>
-          </a:p>
-        </p:txBody>
-      </p:sp>
+              <a:rPr lang="nl-NL" sz="2400">
+                <a:latin typeface="Arial"/>
+              </a:rPr>
+              <a:t>De laatste run met alleen de techinsche termen levert wel duidelijke topics op, al blijft het lastig om bij elk topic aan te geven waar het nu eigenlijk om gaat. </a:t>
+            </a:r>
+            <a:endParaRPr/>
+          </a:p>
+        </p:txBody>
+      </p:sp>
+      <p:pic>
+        <p:nvPicPr>
+          <p:cNvPr id="81" name="" descr=""/>
+          <p:cNvPicPr/>
+          <p:nvPr/>
+        </p:nvPicPr>
+        <p:blipFill>
+          <a:blip r:embed="rId1"/>
+          <a:stretch/>
+        </p:blipFill>
+        <p:spPr>
+          <a:xfrm>
+            <a:off x="3528000" y="4392000"/>
+            <a:ext cx="3240000" cy="2952000"/>
+          </a:xfrm>
+          <a:prstGeom prst="rect">
+            <a:avLst/>
+          </a:prstGeom>
+          <a:ln>
+            <a:noFill/>
+          </a:ln>
+        </p:spPr>
+      </p:pic>
     </p:spTree>
   </p:cSld>
   <p:timing>
     <p:tnLst>
       <p:par>
-        <p:cTn id="29" dur="indefinite" restart="never" nodeType="tmRoot">
+        <p:cTn id="13" dur="indefinite" restart="never" nodeType="tmRoot">
           <p:childTnLst>
             <p:seq>
-              <p:cTn id="30" nodeType="mainSeq"/>
+              <p:cTn id="14" nodeType="mainSeq"/>
               <p:prevCondLst>
                 <p:cond delay="0" evt="onPrev">
                   <p:tgtEl>
@@ -2962,7 +2959,7 @@
       </p:grpSpPr>
       <p:sp>
         <p:nvSpPr>
-          <p:cNvPr id="81" name="TextShape 1"/>
+          <p:cNvPr id="82" name="TextShape 1"/>
           <p:cNvSpPr txBox="1"/>
           <p:nvPr/>
         </p:nvSpPr>
@@ -2987,22 +2984,22 @@
               <a:rPr lang="nl-NL" sz="4400">
                 <a:latin typeface="Arial"/>
               </a:rPr>
-              <a:t>What's next</a:t>
-            </a:r>
-            <a:endParaRPr/>
-          </a:p>
-        </p:txBody>
-      </p:sp>
-      <p:sp>
-        <p:nvSpPr>
-          <p:cNvPr id="82" name="TextShape 2"/>
+              <a:t>Model validatie</a:t>
+            </a:r>
+            <a:endParaRPr/>
+          </a:p>
+        </p:txBody>
+      </p:sp>
+      <p:sp>
+        <p:nvSpPr>
+          <p:cNvPr id="83" name="TextShape 2"/>
           <p:cNvSpPr txBox="1"/>
           <p:nvPr/>
         </p:nvSpPr>
         <p:spPr>
           <a:xfrm>
             <a:off x="504000" y="1769040"/>
-            <a:ext cx="9071640" cy="5142960"/>
+            <a:ext cx="9071640" cy="4384440"/>
           </a:xfrm>
           <a:prstGeom prst="rect">
             <a:avLst/>
@@ -3024,7 +3021,7 @@
               <a:rPr lang="nl-NL" sz="3200">
                 <a:latin typeface="Arial"/>
               </a:rPr>
-              <a:t>Fine-tunen van de parameters van het model</a:t>
+              <a:t>Nu we het model getraind hebben kunnen we met nieuwe vacatures aantonen of ze in het juiste topic vallen.</a:t>
             </a:r>
             <a:endParaRPr/>
           </a:p>
@@ -3038,91 +3035,7 @@
               <a:rPr lang="nl-NL" sz="3200">
                 <a:latin typeface="Arial"/>
               </a:rPr>
-              <a:t>bi- en tri-grams: zodat bv 'SQL Server' als een term wordt herkend, ipv als 2 verschillende termen 'SQL' en 'server' (of bv 'machine learning' of 'data science')</a:t>
-            </a:r>
-            <a:endParaRPr/>
-          </a:p>
-          <a:p>
-            <a:pPr>
-              <a:buSzPct val="45000"/>
-              <a:buFont typeface="StarSymbol"/>
-              <a:buChar char=""/>
-            </a:pPr>
-            <a:r>
-              <a:rPr lang="nl-NL" sz="3200">
-                <a:latin typeface="Arial"/>
-              </a:rPr>
-              <a:t>Geschikt maken voor produktie:</a:t>
-            </a:r>
-            <a:endParaRPr/>
-          </a:p>
-          <a:p>
-            <a:pPr lvl="1">
-              <a:buSzPct val="75000"/>
-              <a:buFont typeface="StarSymbol"/>
-              <a:buChar char=""/>
-            </a:pPr>
-            <a:r>
-              <a:rPr lang="nl-NL" sz="2800">
-                <a:latin typeface="Arial"/>
-              </a:rPr>
-              <a:t>Persisteren dictionary en geleerde model</a:t>
-            </a:r>
-            <a:endParaRPr/>
-          </a:p>
-          <a:p>
-            <a:pPr lvl="1">
-              <a:buSzPct val="75000"/>
-              <a:buFont typeface="StarSymbol"/>
-              <a:buChar char=""/>
-            </a:pPr>
-            <a:r>
-              <a:rPr lang="nl-NL" sz="2800">
-                <a:latin typeface="Arial"/>
-              </a:rPr>
-              <a:t>Uitbreiden dictionary voor het geval nieuwe termen op duiken</a:t>
-            </a:r>
-            <a:endParaRPr/>
-          </a:p>
-          <a:p>
-            <a:pPr lvl="1">
-              <a:buSzPct val="75000"/>
-              <a:buFont typeface="StarSymbol"/>
-              <a:buChar char=""/>
-            </a:pPr>
-            <a:r>
-              <a:rPr lang="nl-NL" sz="2800">
-                <a:latin typeface="Arial"/>
-              </a:rPr>
-              <a:t>Verwerken van de nieuwe vacatures op periodieke basis; persisteren van de resultaten</a:t>
-            </a:r>
-            <a:endParaRPr/>
-          </a:p>
-          <a:p>
-            <a:pPr lvl="1">
-              <a:buSzPct val="75000"/>
-              <a:buFont typeface="StarSymbol"/>
-              <a:buChar char=""/>
-            </a:pPr>
-            <a:r>
-              <a:rPr lang="nl-NL" sz="2800">
-                <a:latin typeface="Arial"/>
-              </a:rPr>
-              <a:t>Periodiek aanpassen van het model????</a:t>
-            </a:r>
-            <a:endParaRPr/>
-          </a:p>
-          <a:p>
-            <a:pPr lvl="1">
-              <a:buSzPct val="75000"/>
-              <a:buFont typeface="StarSymbol"/>
-              <a:buChar char=""/>
-            </a:pPr>
-            <a:r>
-              <a:rPr lang="nl-NL" sz="2800">
-                <a:latin typeface="Arial"/>
-              </a:rPr>
-              <a:t>Presentatie in een dashboard</a:t>
+              <a:t>Demo.......................nog doen</a:t>
             </a:r>
             <a:endParaRPr/>
           </a:p>
@@ -3133,10 +3046,227 @@
   <p:timing>
     <p:tnLst>
       <p:par>
-        <p:cTn id="31" dur="indefinite" restart="never" nodeType="tmRoot">
+        <p:cTn id="15" dur="indefinite" restart="never" nodeType="tmRoot">
           <p:childTnLst>
             <p:seq>
-              <p:cTn id="32" nodeType="mainSeq"/>
+              <p:cTn id="16" nodeType="mainSeq"/>
+              <p:prevCondLst>
+                <p:cond delay="0" evt="onPrev">
+                  <p:tgtEl>
+                    <p:sldTgt/>
+                  </p:tgtEl>
+                </p:cond>
+              </p:prevCondLst>
+              <p:nextCondLst>
+                <p:cond delay="0" evt="onNext">
+                  <p:tgtEl>
+                    <p:sldTgt/>
+                  </p:tgtEl>
+                </p:cond>
+              </p:nextCondLst>
+            </p:seq>
+          </p:childTnLst>
+        </p:cTn>
+      </p:par>
+    </p:tnLst>
+  </p:timing>
+</p:sld>
+</file>
+
+<file path=ppt/slides/slide19.xml><?xml version="1.0" encoding="utf-8"?>
+<p:sld xmlns:a="http://schemas.openxmlformats.org/drawingml/2006/main" xmlns:p="http://schemas.openxmlformats.org/presentationml/2006/main" xmlns:r="http://schemas.openxmlformats.org/officeDocument/2006/relationships">
+  <p:cSld>
+    <p:spTree>
+      <p:nvGrpSpPr>
+        <p:cNvPr id="1" name=""/>
+        <p:cNvGrpSpPr/>
+        <p:nvPr/>
+      </p:nvGrpSpPr>
+      <p:grpSpPr>
+        <a:xfrm>
+          <a:off x="0" y="0"/>
+          <a:ext cx="0" cy="0"/>
+          <a:chOff x="0" y="0"/>
+          <a:chExt cx="0" cy="0"/>
+        </a:xfrm>
+      </p:grpSpPr>
+      <p:sp>
+        <p:nvSpPr>
+          <p:cNvPr id="84" name="TextShape 1"/>
+          <p:cNvSpPr txBox="1"/>
+          <p:nvPr/>
+        </p:nvSpPr>
+        <p:spPr>
+          <a:xfrm>
+            <a:off x="504000" y="301320"/>
+            <a:ext cx="9071640" cy="1262160"/>
+          </a:xfrm>
+          <a:prstGeom prst="rect">
+            <a:avLst/>
+          </a:prstGeom>
+          <a:noFill/>
+          <a:ln>
+            <a:noFill/>
+          </a:ln>
+        </p:spPr>
+        <p:txBody>
+          <a:bodyPr lIns="0" rIns="0" tIns="0" bIns="0" anchor="ctr"/>
+          <a:p>
+            <a:pPr algn="ctr"/>
+            <a:r>
+              <a:rPr lang="nl-NL" sz="4400">
+                <a:latin typeface="Arial"/>
+              </a:rPr>
+              <a:t>What's next</a:t>
+            </a:r>
+            <a:endParaRPr/>
+          </a:p>
+        </p:txBody>
+      </p:sp>
+      <p:sp>
+        <p:nvSpPr>
+          <p:cNvPr id="85" name="TextShape 2"/>
+          <p:cNvSpPr txBox="1"/>
+          <p:nvPr/>
+        </p:nvSpPr>
+        <p:spPr>
+          <a:xfrm>
+            <a:off x="504000" y="1769040"/>
+            <a:ext cx="9071640" cy="5142960"/>
+          </a:xfrm>
+          <a:prstGeom prst="rect">
+            <a:avLst/>
+          </a:prstGeom>
+          <a:noFill/>
+          <a:ln>
+            <a:noFill/>
+          </a:ln>
+        </p:spPr>
+        <p:txBody>
+          <a:bodyPr lIns="0" rIns="0" tIns="0" bIns="0"/>
+          <a:p>
+            <a:pPr>
+              <a:buSzPct val="45000"/>
+              <a:buFont typeface="StarSymbol"/>
+              <a:buChar char=""/>
+            </a:pPr>
+            <a:r>
+              <a:rPr lang="nl-NL" sz="3200">
+                <a:latin typeface="Arial"/>
+              </a:rPr>
+              <a:t>Fine-tunen van de parameters van het model</a:t>
+            </a:r>
+            <a:endParaRPr/>
+          </a:p>
+          <a:p>
+            <a:pPr>
+              <a:buSzPct val="45000"/>
+              <a:buFont typeface="StarSymbol"/>
+              <a:buChar char=""/>
+            </a:pPr>
+            <a:r>
+              <a:rPr lang="nl-NL" sz="3200">
+                <a:latin typeface="Arial"/>
+              </a:rPr>
+              <a:t>bi- en tri-grams: zodat bv 'SQL Server' als een term wordt herkend, ipv als 2 verschillende termen 'SQL' en 'server' (of bv 'machine learning' of 'data science')</a:t>
+            </a:r>
+            <a:endParaRPr/>
+          </a:p>
+          <a:p>
+            <a:pPr>
+              <a:buSzPct val="45000"/>
+              <a:buFont typeface="StarSymbol"/>
+              <a:buChar char=""/>
+            </a:pPr>
+            <a:r>
+              <a:rPr lang="nl-NL" sz="3200">
+                <a:latin typeface="Arial"/>
+              </a:rPr>
+              <a:t>Geschikt maken voor produktie:</a:t>
+            </a:r>
+            <a:endParaRPr/>
+          </a:p>
+          <a:p>
+            <a:pPr lvl="1">
+              <a:buSzPct val="75000"/>
+              <a:buFont typeface="StarSymbol"/>
+              <a:buChar char=""/>
+            </a:pPr>
+            <a:r>
+              <a:rPr lang="nl-NL" sz="2800">
+                <a:latin typeface="Arial"/>
+              </a:rPr>
+              <a:t>Persisteren dictionary en geleerde model</a:t>
+            </a:r>
+            <a:endParaRPr/>
+          </a:p>
+          <a:p>
+            <a:pPr lvl="1">
+              <a:buSzPct val="75000"/>
+              <a:buFont typeface="StarSymbol"/>
+              <a:buChar char=""/>
+            </a:pPr>
+            <a:r>
+              <a:rPr lang="nl-NL" sz="2800">
+                <a:latin typeface="Arial"/>
+              </a:rPr>
+              <a:t>Uitbreiden dictionary voor het geval nieuwe termen op duiken</a:t>
+            </a:r>
+            <a:endParaRPr/>
+          </a:p>
+          <a:p>
+            <a:pPr lvl="1">
+              <a:buSzPct val="75000"/>
+              <a:buFont typeface="StarSymbol"/>
+              <a:buChar char=""/>
+            </a:pPr>
+            <a:r>
+              <a:rPr lang="nl-NL" sz="2800">
+                <a:latin typeface="Arial"/>
+              </a:rPr>
+              <a:t>Verwerken van de nieuwe vacatures op periodieke basis; persisteren van de resultaten</a:t>
+            </a:r>
+            <a:endParaRPr/>
+          </a:p>
+          <a:p>
+            <a:pPr lvl="1">
+              <a:buSzPct val="75000"/>
+              <a:buFont typeface="StarSymbol"/>
+              <a:buChar char=""/>
+            </a:pPr>
+            <a:r>
+              <a:rPr lang="nl-NL" sz="2800">
+                <a:latin typeface="Arial"/>
+              </a:rPr>
+              <a:t>Periodiek aanpassen van het model????</a:t>
+            </a:r>
+            <a:endParaRPr/>
+          </a:p>
+          <a:p>
+            <a:pPr lvl="1">
+              <a:buSzPct val="75000"/>
+              <a:buFont typeface="StarSymbol"/>
+              <a:buChar char=""/>
+            </a:pPr>
+            <a:r>
+              <a:rPr lang="nl-NL" sz="2800">
+                <a:latin typeface="Arial"/>
+              </a:rPr>
+              <a:t>Presentatie in een dashboard</a:t>
+            </a:r>
+            <a:endParaRPr/>
+          </a:p>
+        </p:txBody>
+      </p:sp>
+    </p:spTree>
+  </p:cSld>
+  <p:timing>
+    <p:tnLst>
+      <p:par>
+        <p:cTn id="17" dur="indefinite" restart="never" nodeType="tmRoot">
+          <p:childTnLst>
+            <p:seq>
+              <p:cTn id="18" nodeType="mainSeq"/>
               <p:prevCondLst>
                 <p:cond delay="0" evt="onPrev">
                   <p:tgtEl>
@@ -3419,33 +3549,6 @@
       </p:sp>
     </p:spTree>
   </p:cSld>
-  <p:timing>
-    <p:tnLst>
-      <p:par>
-        <p:cTn id="1" dur="indefinite" restart="never" nodeType="tmRoot">
-          <p:childTnLst>
-            <p:seq>
-              <p:cTn id="2" nodeType="mainSeq"/>
-              <p:prevCondLst>
-                <p:cond delay="0" evt="onPrev">
-                  <p:tgtEl>
-                    <p:sldTgt/>
-                  </p:tgtEl>
-                </p:cond>
-              </p:prevCondLst>
-              <p:nextCondLst>
-                <p:cond delay="0" evt="onNext">
-                  <p:tgtEl>
-                    <p:sldTgt/>
-                  </p:tgtEl>
-                </p:cond>
-              </p:nextCondLst>
-            </p:seq>
-          </p:childTnLst>
-        </p:cTn>
-      </p:par>
-    </p:tnLst>
-  </p:timing>
 </p:sld>
 </file>
 
@@ -3641,33 +3744,6 @@
       </p:pic>
     </p:spTree>
   </p:cSld>
-  <p:timing>
-    <p:tnLst>
-      <p:par>
-        <p:cTn id="3" dur="indefinite" restart="never" nodeType="tmRoot">
-          <p:childTnLst>
-            <p:seq>
-              <p:cTn id="4" nodeType="mainSeq"/>
-              <p:prevCondLst>
-                <p:cond delay="0" evt="onPrev">
-                  <p:tgtEl>
-                    <p:sldTgt/>
-                  </p:tgtEl>
-                </p:cond>
-              </p:prevCondLst>
-              <p:nextCondLst>
-                <p:cond delay="0" evt="onNext">
-                  <p:tgtEl>
-                    <p:sldTgt/>
-                  </p:tgtEl>
-                </p:cond>
-              </p:nextCondLst>
-            </p:seq>
-          </p:childTnLst>
-        </p:cTn>
-      </p:par>
-    </p:tnLst>
-  </p:timing>
 </p:sld>
 </file>
 
@@ -3858,33 +3934,6 @@
       </p:sp>
     </p:spTree>
   </p:cSld>
-  <p:timing>
-    <p:tnLst>
-      <p:par>
-        <p:cTn id="5" dur="indefinite" restart="never" nodeType="tmRoot">
-          <p:childTnLst>
-            <p:seq>
-              <p:cTn id="6" nodeType="mainSeq"/>
-              <p:prevCondLst>
-                <p:cond delay="0" evt="onPrev">
-                  <p:tgtEl>
-                    <p:sldTgt/>
-                  </p:tgtEl>
-                </p:cond>
-              </p:prevCondLst>
-              <p:nextCondLst>
-                <p:cond delay="0" evt="onNext">
-                  <p:tgtEl>
-                    <p:sldTgt/>
-                  </p:tgtEl>
-                </p:cond>
-              </p:nextCondLst>
-            </p:seq>
-          </p:childTnLst>
-        </p:cTn>
-      </p:par>
-    </p:tnLst>
-  </p:timing>
 </p:sld>
 </file>
 
@@ -4033,33 +4082,6 @@
       </p:sp>
     </p:spTree>
   </p:cSld>
-  <p:timing>
-    <p:tnLst>
-      <p:par>
-        <p:cTn id="7" dur="indefinite" restart="never" nodeType="tmRoot">
-          <p:childTnLst>
-            <p:seq>
-              <p:cTn id="8" nodeType="mainSeq"/>
-              <p:prevCondLst>
-                <p:cond delay="0" evt="onPrev">
-                  <p:tgtEl>
-                    <p:sldTgt/>
-                  </p:tgtEl>
-                </p:cond>
-              </p:prevCondLst>
-              <p:nextCondLst>
-                <p:cond delay="0" evt="onNext">
-                  <p:tgtEl>
-                    <p:sldTgt/>
-                  </p:tgtEl>
-                </p:cond>
-              </p:nextCondLst>
-            </p:seq>
-          </p:childTnLst>
-        </p:cTn>
-      </p:par>
-    </p:tnLst>
-  </p:timing>
 </p:sld>
 </file>
 
@@ -4175,33 +4197,6 @@
       </p:pic>
     </p:spTree>
   </p:cSld>
-  <p:timing>
-    <p:tnLst>
-      <p:par>
-        <p:cTn id="9" dur="indefinite" restart="never" nodeType="tmRoot">
-          <p:childTnLst>
-            <p:seq>
-              <p:cTn id="10" nodeType="mainSeq"/>
-              <p:prevCondLst>
-                <p:cond delay="0" evt="onPrev">
-                  <p:tgtEl>
-                    <p:sldTgt/>
-                  </p:tgtEl>
-                </p:cond>
-              </p:prevCondLst>
-              <p:nextCondLst>
-                <p:cond delay="0" evt="onNext">
-                  <p:tgtEl>
-                    <p:sldTgt/>
-                  </p:tgtEl>
-                </p:cond>
-              </p:nextCondLst>
-            </p:seq>
-          </p:childTnLst>
-        </p:cTn>
-      </p:par>
-    </p:tnLst>
-  </p:timing>
 </p:sld>
 </file>
 
@@ -4308,33 +4303,6 @@
       </p:sp>
     </p:spTree>
   </p:cSld>
-  <p:timing>
-    <p:tnLst>
-      <p:par>
-        <p:cTn id="11" dur="indefinite" restart="never" nodeType="tmRoot">
-          <p:childTnLst>
-            <p:seq>
-              <p:cTn id="12" nodeType="mainSeq"/>
-              <p:prevCondLst>
-                <p:cond delay="0" evt="onPrev">
-                  <p:tgtEl>
-                    <p:sldTgt/>
-                  </p:tgtEl>
-                </p:cond>
-              </p:prevCondLst>
-              <p:nextCondLst>
-                <p:cond delay="0" evt="onNext">
-                  <p:tgtEl>
-                    <p:sldTgt/>
-                  </p:tgtEl>
-                </p:cond>
-              </p:nextCondLst>
-            </p:seq>
-          </p:childTnLst>
-        </p:cTn>
-      </p:par>
-    </p:tnLst>
-  </p:timing>
 </p:sld>
 </file>
 
@@ -4433,33 +4401,6 @@
       </p:sp>
     </p:spTree>
   </p:cSld>
-  <p:timing>
-    <p:tnLst>
-      <p:par>
-        <p:cTn id="13" dur="indefinite" restart="never" nodeType="tmRoot">
-          <p:childTnLst>
-            <p:seq>
-              <p:cTn id="14" nodeType="mainSeq"/>
-              <p:prevCondLst>
-                <p:cond delay="0" evt="onPrev">
-                  <p:tgtEl>
-                    <p:sldTgt/>
-                  </p:tgtEl>
-                </p:cond>
-              </p:prevCondLst>
-              <p:nextCondLst>
-                <p:cond delay="0" evt="onNext">
-                  <p:tgtEl>
-                    <p:sldTgt/>
-                  </p:tgtEl>
-                </p:cond>
-              </p:nextCondLst>
-            </p:seq>
-          </p:childTnLst>
-        </p:cTn>
-      </p:par>
-    </p:tnLst>
-  </p:timing>
 </p:sld>
 </file>
 
